--- a/20231004/디자인.pptx
+++ b/20231004/디자인.pptx
@@ -3193,7 +3193,7 @@
           <a:solidFill>
             <a:schemeClr val="bg1"/>
           </a:solidFill>
-          <a:ln>
+          <a:ln w="15875">
             <a:solidFill>
               <a:srgbClr val="92D050"/>
             </a:solidFill>
@@ -3245,7 +3245,7 @@
           <a:solidFill>
             <a:schemeClr val="bg1"/>
           </a:solidFill>
-          <a:ln>
+          <a:ln w="15875">
             <a:solidFill>
               <a:srgbClr val="92D050"/>
             </a:solidFill>
@@ -3297,7 +3297,7 @@
           <a:solidFill>
             <a:schemeClr val="bg1"/>
           </a:solidFill>
-          <a:ln>
+          <a:ln w="15875">
             <a:solidFill>
               <a:srgbClr val="92D050"/>
             </a:solidFill>
@@ -3340,8 +3340,8 @@
         </p:nvSpPr>
         <p:spPr>
           <a:xfrm flipH="1">
-            <a:off x="9433251" y="926726"/>
-            <a:ext cx="2575245" cy="5191259"/>
+            <a:off x="9433250" y="926726"/>
+            <a:ext cx="2575245" cy="5310212"/>
           </a:xfrm>
           <a:prstGeom prst="rect">
             <a:avLst/>
@@ -3349,7 +3349,7 @@
           <a:solidFill>
             <a:schemeClr val="bg1"/>
           </a:solidFill>
-          <a:ln>
+          <a:ln w="15875">
             <a:solidFill>
               <a:srgbClr val="92D050"/>
             </a:solidFill>
@@ -8813,8 +8813,8 @@
         </p:nvSpPr>
         <p:spPr>
           <a:xfrm>
-            <a:off x="3517768" y="5601622"/>
-            <a:ext cx="408913" cy="230030"/>
+            <a:off x="3569136" y="5596777"/>
+            <a:ext cx="328802" cy="230030"/>
           </a:xfrm>
           <a:prstGeom prst="roundRect">
             <a:avLst/>
@@ -8907,8 +8907,8 @@
         </p:nvSpPr>
         <p:spPr>
           <a:xfrm>
-            <a:off x="3555206" y="5362195"/>
-            <a:ext cx="321702" cy="264576"/>
+            <a:off x="3591352" y="5359785"/>
+            <a:ext cx="285840" cy="264576"/>
           </a:xfrm>
           <a:prstGeom prst="ellipse">
             <a:avLst/>
@@ -12463,8 +12463,8 @@
         </p:nvSpPr>
         <p:spPr>
           <a:xfrm>
-            <a:off x="9433251" y="926715"/>
-            <a:ext cx="2575244" cy="653283"/>
+            <a:off x="9423532" y="850849"/>
+            <a:ext cx="2594992" cy="653283"/>
           </a:xfrm>
           <a:prstGeom prst="rect">
             <a:avLst/>
@@ -12511,7 +12511,7 @@
         </p:nvSpPr>
         <p:spPr>
           <a:xfrm>
-            <a:off x="9433251" y="1073543"/>
+            <a:off x="9433251" y="961811"/>
             <a:ext cx="2575244" cy="369332"/>
           </a:xfrm>
           <a:prstGeom prst="rect">
@@ -12534,6 +12534,87 @@
           </a:p>
         </p:txBody>
       </p:sp>
+      <p:sp>
+        <p:nvSpPr>
+          <p:cNvPr id="2" name="직사각형 1"/>
+          <p:cNvSpPr/>
+          <p:nvPr/>
+        </p:nvSpPr>
+        <p:spPr>
+          <a:xfrm>
+            <a:off x="158616" y="856212"/>
+            <a:ext cx="9118388" cy="5380726"/>
+          </a:xfrm>
+          <a:prstGeom prst="rect">
+            <a:avLst/>
+          </a:prstGeom>
+          <a:noFill/>
+          <a:ln w="15875">
+            <a:solidFill>
+              <a:srgbClr val="92D050"/>
+            </a:solidFill>
+          </a:ln>
+        </p:spPr>
+        <p:style>
+          <a:lnRef idx="2">
+            <a:schemeClr val="accent1">
+              <a:shade val="50000"/>
+            </a:schemeClr>
+          </a:lnRef>
+          <a:fillRef idx="1">
+            <a:schemeClr val="accent1"/>
+          </a:fillRef>
+          <a:effectRef idx="0">
+            <a:schemeClr val="accent1"/>
+          </a:effectRef>
+          <a:fontRef idx="minor">
+            <a:schemeClr val="lt1"/>
+          </a:fontRef>
+        </p:style>
+        <p:txBody>
+          <a:bodyPr rtlCol="0" anchor="ctr"/>
+          <a:lstStyle/>
+          <a:p>
+            <a:pPr algn="ctr"/>
+            <a:endParaRPr lang="ko-KR" altLang="en-US"/>
+          </a:p>
+        </p:txBody>
+      </p:sp>
+      <p:cxnSp>
+        <p:nvCxnSpPr>
+          <p:cNvPr id="4" name="직선 연결선 3"/>
+          <p:cNvCxnSpPr/>
+          <p:nvPr/>
+        </p:nvCxnSpPr>
+        <p:spPr>
+          <a:xfrm>
+            <a:off x="158616" y="93274"/>
+            <a:ext cx="11849879" cy="0"/>
+          </a:xfrm>
+          <a:prstGeom prst="line">
+            <a:avLst/>
+          </a:prstGeom>
+          <a:ln w="25400">
+            <a:solidFill>
+              <a:srgbClr val="92D050"/>
+            </a:solidFill>
+          </a:ln>
+        </p:spPr>
+        <p:style>
+          <a:lnRef idx="1">
+            <a:schemeClr val="accent1"/>
+          </a:lnRef>
+          <a:fillRef idx="0">
+            <a:schemeClr val="accent1"/>
+          </a:fillRef>
+          <a:effectRef idx="0">
+            <a:schemeClr val="accent1"/>
+          </a:effectRef>
+          <a:fontRef idx="minor">
+            <a:schemeClr val="tx1"/>
+          </a:fontRef>
+        </p:style>
+      </p:cxnSp>
     </p:spTree>
     <p:extLst>
       <p:ext uri="{BB962C8B-B14F-4D97-AF65-F5344CB8AC3E}">
